--- a/Exams/midterm1/mid1.pptx
+++ b/Exams/midterm1/mid1.pptx
@@ -7,6 +7,7 @@
   <p:sldIdLst>
     <p:sldId id="256" r:id="rId2"/>
     <p:sldId id="257" r:id="rId3"/>
+    <p:sldId id="258" r:id="rId4"/>
   </p:sldIdLst>
   <p:sldSz cx="12192000" cy="6858000"/>
   <p:notesSz cx="6858000" cy="9144000"/>
@@ -105,6 +106,11 @@
       </a:defRPr>
     </a:lvl9pPr>
   </p:defaultTextStyle>
+  <p:extLst>
+    <p:ext uri="{EFAFB233-063F-42B5-8137-9DF3F51BA10A}">
+      <p15:sldGuideLst xmlns:p15="http://schemas.microsoft.com/office/powerpoint/2012/main"/>
+    </p:ext>
+  </p:extLst>
 </p:presentation>
 </file>
 
@@ -4274,6 +4280,228 @@
 </p:sld>
 </file>
 
+<file path=ppt/slides/slide3.xml><?xml version="1.0" encoding="utf-8"?>
+<p:sld xmlns:a="http://schemas.openxmlformats.org/drawingml/2006/main" xmlns:r="http://schemas.openxmlformats.org/officeDocument/2006/relationships" xmlns:p="http://schemas.openxmlformats.org/presentationml/2006/main">
+  <p:cSld>
+    <p:spTree>
+      <p:nvGrpSpPr>
+        <p:cNvPr id="1" name=""/>
+        <p:cNvGrpSpPr/>
+        <p:nvPr/>
+      </p:nvGrpSpPr>
+      <p:grpSpPr>
+        <a:xfrm>
+          <a:off x="0" y="0"/>
+          <a:ext cx="0" cy="0"/>
+          <a:chOff x="0" y="0"/>
+          <a:chExt cx="0" cy="0"/>
+        </a:xfrm>
+      </p:grpSpPr>
+      <p:pic>
+        <p:nvPicPr>
+          <p:cNvPr id="3" name="Picture 2" descr="Diagram, schematic&#10;&#10;Description automatically generated">
+            <a:extLst>
+              <a:ext uri="{FF2B5EF4-FFF2-40B4-BE49-F238E27FC236}">
+                <a16:creationId xmlns:a16="http://schemas.microsoft.com/office/drawing/2014/main" id="{C7E007D6-0B70-0FCB-BAD9-12CF928A92F5}"/>
+              </a:ext>
+            </a:extLst>
+          </p:cNvPr>
+          <p:cNvPicPr>
+            <a:picLocks noChangeAspect="1"/>
+          </p:cNvPicPr>
+          <p:nvPr/>
+        </p:nvPicPr>
+        <p:blipFill>
+          <a:blip r:embed="rId2">
+            <a:extLst>
+              <a:ext uri="{28A0092B-C50C-407E-A947-70E740481C1C}">
+                <a14:useLocalDpi xmlns:a14="http://schemas.microsoft.com/office/drawing/2010/main" val="0"/>
+              </a:ext>
+            </a:extLst>
+          </a:blip>
+          <a:stretch>
+            <a:fillRect/>
+          </a:stretch>
+        </p:blipFill>
+        <p:spPr>
+          <a:xfrm>
+            <a:off x="1980796" y="631947"/>
+            <a:ext cx="8230408" cy="5594106"/>
+          </a:xfrm>
+          <a:prstGeom prst="rect">
+            <a:avLst/>
+          </a:prstGeom>
+        </p:spPr>
+      </p:pic>
+      <p:cxnSp>
+        <p:nvCxnSpPr>
+          <p:cNvPr id="4" name="Straight Connector 3">
+            <a:extLst>
+              <a:ext uri="{FF2B5EF4-FFF2-40B4-BE49-F238E27FC236}">
+                <a16:creationId xmlns:a16="http://schemas.microsoft.com/office/drawing/2014/main" id="{F09D9863-39D4-E23C-979E-90AA0E7C6B4E}"/>
+              </a:ext>
+            </a:extLst>
+          </p:cNvPr>
+          <p:cNvCxnSpPr>
+            <a:cxnSpLocks/>
+          </p:cNvCxnSpPr>
+          <p:nvPr/>
+        </p:nvCxnSpPr>
+        <p:spPr>
+          <a:xfrm flipH="1" flipV="1">
+            <a:off x="6391275" y="1495425"/>
+            <a:ext cx="1266825" cy="1266825"/>
+          </a:xfrm>
+          <a:prstGeom prst="line">
+            <a:avLst/>
+          </a:prstGeom>
+          <a:ln w="28575"/>
+        </p:spPr>
+        <p:style>
+          <a:lnRef idx="1">
+            <a:schemeClr val="dk1"/>
+          </a:lnRef>
+          <a:fillRef idx="0">
+            <a:schemeClr val="dk1"/>
+          </a:fillRef>
+          <a:effectRef idx="0">
+            <a:schemeClr val="dk1"/>
+          </a:effectRef>
+          <a:fontRef idx="minor">
+            <a:schemeClr val="tx1"/>
+          </a:fontRef>
+        </p:style>
+      </p:cxnSp>
+      <p:cxnSp>
+        <p:nvCxnSpPr>
+          <p:cNvPr id="6" name="Straight Connector 5">
+            <a:extLst>
+              <a:ext uri="{FF2B5EF4-FFF2-40B4-BE49-F238E27FC236}">
+                <a16:creationId xmlns:a16="http://schemas.microsoft.com/office/drawing/2014/main" id="{0B77C294-07A5-0CFC-519D-DCE07EA12BA3}"/>
+              </a:ext>
+            </a:extLst>
+          </p:cNvPr>
+          <p:cNvCxnSpPr>
+            <a:cxnSpLocks/>
+          </p:cNvCxnSpPr>
+          <p:nvPr/>
+        </p:nvCxnSpPr>
+        <p:spPr>
+          <a:xfrm flipH="1" flipV="1">
+            <a:off x="8905875" y="4010025"/>
+            <a:ext cx="1266825" cy="1266825"/>
+          </a:xfrm>
+          <a:prstGeom prst="line">
+            <a:avLst/>
+          </a:prstGeom>
+          <a:ln w="28575"/>
+        </p:spPr>
+        <p:style>
+          <a:lnRef idx="1">
+            <a:schemeClr val="dk1"/>
+          </a:lnRef>
+          <a:fillRef idx="0">
+            <a:schemeClr val="dk1"/>
+          </a:fillRef>
+          <a:effectRef idx="0">
+            <a:schemeClr val="dk1"/>
+          </a:effectRef>
+          <a:fontRef idx="minor">
+            <a:schemeClr val="tx1"/>
+          </a:fontRef>
+        </p:style>
+      </p:cxnSp>
+      <p:cxnSp>
+        <p:nvCxnSpPr>
+          <p:cNvPr id="7" name="Straight Connector 6">
+            <a:extLst>
+              <a:ext uri="{FF2B5EF4-FFF2-40B4-BE49-F238E27FC236}">
+                <a16:creationId xmlns:a16="http://schemas.microsoft.com/office/drawing/2014/main" id="{00107196-E201-4E91-2BAB-D7DD0C44C561}"/>
+              </a:ext>
+            </a:extLst>
+          </p:cNvPr>
+          <p:cNvCxnSpPr>
+            <a:cxnSpLocks/>
+          </p:cNvCxnSpPr>
+          <p:nvPr/>
+        </p:nvCxnSpPr>
+        <p:spPr>
+          <a:xfrm flipH="1">
+            <a:off x="4714875" y="1495425"/>
+            <a:ext cx="1676400" cy="1266825"/>
+          </a:xfrm>
+          <a:prstGeom prst="line">
+            <a:avLst/>
+          </a:prstGeom>
+          <a:ln w="28575"/>
+        </p:spPr>
+        <p:style>
+          <a:lnRef idx="1">
+            <a:schemeClr val="dk1"/>
+          </a:lnRef>
+          <a:fillRef idx="0">
+            <a:schemeClr val="dk1"/>
+          </a:fillRef>
+          <a:effectRef idx="0">
+            <a:schemeClr val="dk1"/>
+          </a:effectRef>
+          <a:fontRef idx="minor">
+            <a:schemeClr val="tx1"/>
+          </a:fontRef>
+        </p:style>
+      </p:cxnSp>
+      <p:cxnSp>
+        <p:nvCxnSpPr>
+          <p:cNvPr id="10" name="Straight Connector 9">
+            <a:extLst>
+              <a:ext uri="{FF2B5EF4-FFF2-40B4-BE49-F238E27FC236}">
+                <a16:creationId xmlns:a16="http://schemas.microsoft.com/office/drawing/2014/main" id="{4A644028-796C-C806-E3C2-B047AD4C1F6B}"/>
+              </a:ext>
+            </a:extLst>
+          </p:cNvPr>
+          <p:cNvCxnSpPr>
+            <a:cxnSpLocks/>
+          </p:cNvCxnSpPr>
+          <p:nvPr/>
+        </p:nvCxnSpPr>
+        <p:spPr>
+          <a:xfrm flipH="1">
+            <a:off x="2190750" y="4010025"/>
+            <a:ext cx="1285875" cy="1266825"/>
+          </a:xfrm>
+          <a:prstGeom prst="line">
+            <a:avLst/>
+          </a:prstGeom>
+          <a:ln w="28575"/>
+        </p:spPr>
+        <p:style>
+          <a:lnRef idx="1">
+            <a:schemeClr val="dk1"/>
+          </a:lnRef>
+          <a:fillRef idx="0">
+            <a:schemeClr val="dk1"/>
+          </a:fillRef>
+          <a:effectRef idx="0">
+            <a:schemeClr val="dk1"/>
+          </a:effectRef>
+          <a:fontRef idx="minor">
+            <a:schemeClr val="tx1"/>
+          </a:fontRef>
+        </p:style>
+      </p:cxnSp>
+    </p:spTree>
+    <p:extLst>
+      <p:ext uri="{BB962C8B-B14F-4D97-AF65-F5344CB8AC3E}">
+        <p14:creationId xmlns:p14="http://schemas.microsoft.com/office/powerpoint/2010/main" val="444812659"/>
+      </p:ext>
+    </p:extLst>
+  </p:cSld>
+  <p:clrMapOvr>
+    <a:masterClrMapping/>
+  </p:clrMapOvr>
+</p:sld>
+</file>
+
 <file path=ppt/theme/theme1.xml><?xml version="1.0" encoding="utf-8"?>
 <a:theme xmlns:a="http://schemas.openxmlformats.org/drawingml/2006/main" name="Office Theme">
   <a:themeElements>

--- a/Exams/midterm1/mid1.pptx
+++ b/Exams/midterm1/mid1.pptx
@@ -261,7 +261,7 @@
           <a:p>
             <a:fld id="{4ACA332B-C9AF-496B-AA2C-AD0156A069ED}" type="datetimeFigureOut">
               <a:rPr lang="en-US" smtClean="0"/>
-              <a:t>2/10/2023</a:t>
+              <a:t>2/14/2023</a:t>
             </a:fld>
             <a:endParaRPr lang="en-US"/>
           </a:p>
@@ -459,7 +459,7 @@
           <a:p>
             <a:fld id="{4ACA332B-C9AF-496B-AA2C-AD0156A069ED}" type="datetimeFigureOut">
               <a:rPr lang="en-US" smtClean="0"/>
-              <a:t>2/10/2023</a:t>
+              <a:t>2/14/2023</a:t>
             </a:fld>
             <a:endParaRPr lang="en-US"/>
           </a:p>
@@ -667,7 +667,7 @@
           <a:p>
             <a:fld id="{4ACA332B-C9AF-496B-AA2C-AD0156A069ED}" type="datetimeFigureOut">
               <a:rPr lang="en-US" smtClean="0"/>
-              <a:t>2/10/2023</a:t>
+              <a:t>2/14/2023</a:t>
             </a:fld>
             <a:endParaRPr lang="en-US"/>
           </a:p>
@@ -865,7 +865,7 @@
           <a:p>
             <a:fld id="{4ACA332B-C9AF-496B-AA2C-AD0156A069ED}" type="datetimeFigureOut">
               <a:rPr lang="en-US" smtClean="0"/>
-              <a:t>2/10/2023</a:t>
+              <a:t>2/14/2023</a:t>
             </a:fld>
             <a:endParaRPr lang="en-US"/>
           </a:p>
@@ -1140,7 +1140,7 @@
           <a:p>
             <a:fld id="{4ACA332B-C9AF-496B-AA2C-AD0156A069ED}" type="datetimeFigureOut">
               <a:rPr lang="en-US" smtClean="0"/>
-              <a:t>2/10/2023</a:t>
+              <a:t>2/14/2023</a:t>
             </a:fld>
             <a:endParaRPr lang="en-US"/>
           </a:p>
@@ -1405,7 +1405,7 @@
           <a:p>
             <a:fld id="{4ACA332B-C9AF-496B-AA2C-AD0156A069ED}" type="datetimeFigureOut">
               <a:rPr lang="en-US" smtClean="0"/>
-              <a:t>2/10/2023</a:t>
+              <a:t>2/14/2023</a:t>
             </a:fld>
             <a:endParaRPr lang="en-US"/>
           </a:p>
@@ -1817,7 +1817,7 @@
           <a:p>
             <a:fld id="{4ACA332B-C9AF-496B-AA2C-AD0156A069ED}" type="datetimeFigureOut">
               <a:rPr lang="en-US" smtClean="0"/>
-              <a:t>2/10/2023</a:t>
+              <a:t>2/14/2023</a:t>
             </a:fld>
             <a:endParaRPr lang="en-US"/>
           </a:p>
@@ -1958,7 +1958,7 @@
           <a:p>
             <a:fld id="{4ACA332B-C9AF-496B-AA2C-AD0156A069ED}" type="datetimeFigureOut">
               <a:rPr lang="en-US" smtClean="0"/>
-              <a:t>2/10/2023</a:t>
+              <a:t>2/14/2023</a:t>
             </a:fld>
             <a:endParaRPr lang="en-US"/>
           </a:p>
@@ -2071,7 +2071,7 @@
           <a:p>
             <a:fld id="{4ACA332B-C9AF-496B-AA2C-AD0156A069ED}" type="datetimeFigureOut">
               <a:rPr lang="en-US" smtClean="0"/>
-              <a:t>2/10/2023</a:t>
+              <a:t>2/14/2023</a:t>
             </a:fld>
             <a:endParaRPr lang="en-US"/>
           </a:p>
@@ -2382,7 +2382,7 @@
           <a:p>
             <a:fld id="{4ACA332B-C9AF-496B-AA2C-AD0156A069ED}" type="datetimeFigureOut">
               <a:rPr lang="en-US" smtClean="0"/>
-              <a:t>2/10/2023</a:t>
+              <a:t>2/14/2023</a:t>
             </a:fld>
             <a:endParaRPr lang="en-US"/>
           </a:p>
@@ -2670,7 +2670,7 @@
           <a:p>
             <a:fld id="{4ACA332B-C9AF-496B-AA2C-AD0156A069ED}" type="datetimeFigureOut">
               <a:rPr lang="en-US" smtClean="0"/>
-              <a:t>2/10/2023</a:t>
+              <a:t>2/14/2023</a:t>
             </a:fld>
             <a:endParaRPr lang="en-US"/>
           </a:p>
@@ -2911,7 +2911,7 @@
           <a:p>
             <a:fld id="{4ACA332B-C9AF-496B-AA2C-AD0156A069ED}" type="datetimeFigureOut">
               <a:rPr lang="en-US" smtClean="0"/>
-              <a:t>2/10/2023</a:t>
+              <a:t>2/14/2023</a:t>
             </a:fld>
             <a:endParaRPr lang="en-US"/>
           </a:p>
@@ -3647,8 +3647,8 @@
           </a:stretch>
         </p:blipFill>
         <p:spPr>
-          <a:xfrm rot="3888465">
-            <a:off x="3671078" y="3313059"/>
+          <a:xfrm rot="17613206">
+            <a:off x="6454881" y="3328813"/>
             <a:ext cx="1362075" cy="1190625"/>
           </a:xfrm>
           <a:prstGeom prst="rect">
@@ -3677,8 +3677,8 @@
           </a:stretch>
         </p:blipFill>
         <p:spPr>
-          <a:xfrm rot="17671235">
-            <a:off x="6553504" y="3298764"/>
+          <a:xfrm rot="3843210">
+            <a:off x="3747401" y="3428079"/>
             <a:ext cx="1266825" cy="1266825"/>
           </a:xfrm>
           <a:prstGeom prst="rect">
@@ -4014,6 +4014,229 @@
           </a:fontRef>
         </p:style>
       </p:cxnSp>
+      <p:cxnSp>
+        <p:nvCxnSpPr>
+          <p:cNvPr id="10" name="Straight Connector 9">
+            <a:extLst>
+              <a:ext uri="{FF2B5EF4-FFF2-40B4-BE49-F238E27FC236}">
+                <a16:creationId xmlns:a16="http://schemas.microsoft.com/office/drawing/2014/main" id="{9FBDC171-01C5-7483-1972-EEFB52832C3B}"/>
+              </a:ext>
+            </a:extLst>
+          </p:cNvPr>
+          <p:cNvCxnSpPr>
+            <a:cxnSpLocks/>
+          </p:cNvCxnSpPr>
+          <p:nvPr/>
+        </p:nvCxnSpPr>
+        <p:spPr>
+          <a:xfrm flipV="1">
+            <a:off x="4495800" y="1790700"/>
+            <a:ext cx="3295650" cy="3276600"/>
+          </a:xfrm>
+          <a:prstGeom prst="line">
+            <a:avLst/>
+          </a:prstGeom>
+          <a:ln w="28575"/>
+        </p:spPr>
+        <p:style>
+          <a:lnRef idx="1">
+            <a:schemeClr val="dk1"/>
+          </a:lnRef>
+          <a:fillRef idx="0">
+            <a:schemeClr val="dk1"/>
+          </a:fillRef>
+          <a:effectRef idx="0">
+            <a:schemeClr val="dk1"/>
+          </a:effectRef>
+          <a:fontRef idx="minor">
+            <a:schemeClr val="tx1"/>
+          </a:fontRef>
+        </p:style>
+      </p:cxnSp>
+      <p:sp>
+        <p:nvSpPr>
+          <p:cNvPr id="12" name="Oval 11">
+            <a:extLst>
+              <a:ext uri="{FF2B5EF4-FFF2-40B4-BE49-F238E27FC236}">
+                <a16:creationId xmlns:a16="http://schemas.microsoft.com/office/drawing/2014/main" id="{ADA757DF-467C-B3DF-3D1A-8BC1476D9A5D}"/>
+              </a:ext>
+            </a:extLst>
+          </p:cNvPr>
+          <p:cNvSpPr/>
+          <p:nvPr/>
+        </p:nvSpPr>
+        <p:spPr>
+          <a:xfrm>
+            <a:off x="4395787" y="1677577"/>
+            <a:ext cx="180975" cy="152400"/>
+          </a:xfrm>
+          <a:prstGeom prst="ellipse">
+            <a:avLst/>
+          </a:prstGeom>
+        </p:spPr>
+        <p:style>
+          <a:lnRef idx="2">
+            <a:schemeClr val="dk1">
+              <a:shade val="50000"/>
+            </a:schemeClr>
+          </a:lnRef>
+          <a:fillRef idx="1">
+            <a:schemeClr val="dk1"/>
+          </a:fillRef>
+          <a:effectRef idx="0">
+            <a:schemeClr val="dk1"/>
+          </a:effectRef>
+          <a:fontRef idx="minor">
+            <a:schemeClr val="lt1"/>
+          </a:fontRef>
+        </p:style>
+        <p:txBody>
+          <a:bodyPr rtlCol="0" anchor="ctr"/>
+          <a:lstStyle/>
+          <a:p>
+            <a:pPr algn="ctr"/>
+            <a:endParaRPr lang="en-US"/>
+          </a:p>
+        </p:txBody>
+      </p:sp>
+      <p:sp>
+        <p:nvSpPr>
+          <p:cNvPr id="13" name="Oval 12">
+            <a:extLst>
+              <a:ext uri="{FF2B5EF4-FFF2-40B4-BE49-F238E27FC236}">
+                <a16:creationId xmlns:a16="http://schemas.microsoft.com/office/drawing/2014/main" id="{34C006D5-926B-9A86-9662-61A89151519A}"/>
+              </a:ext>
+            </a:extLst>
+          </p:cNvPr>
+          <p:cNvSpPr/>
+          <p:nvPr/>
+        </p:nvSpPr>
+        <p:spPr>
+          <a:xfrm>
+            <a:off x="7700962" y="1706152"/>
+            <a:ext cx="180975" cy="152400"/>
+          </a:xfrm>
+          <a:prstGeom prst="ellipse">
+            <a:avLst/>
+          </a:prstGeom>
+        </p:spPr>
+        <p:style>
+          <a:lnRef idx="2">
+            <a:schemeClr val="dk1">
+              <a:shade val="50000"/>
+            </a:schemeClr>
+          </a:lnRef>
+          <a:fillRef idx="1">
+            <a:schemeClr val="dk1"/>
+          </a:fillRef>
+          <a:effectRef idx="0">
+            <a:schemeClr val="dk1"/>
+          </a:effectRef>
+          <a:fontRef idx="minor">
+            <a:schemeClr val="lt1"/>
+          </a:fontRef>
+        </p:style>
+        <p:txBody>
+          <a:bodyPr rtlCol="0" anchor="ctr"/>
+          <a:lstStyle/>
+          <a:p>
+            <a:pPr algn="ctr"/>
+            <a:endParaRPr lang="en-US"/>
+          </a:p>
+        </p:txBody>
+      </p:sp>
+      <p:sp>
+        <p:nvSpPr>
+          <p:cNvPr id="14" name="Oval 13">
+            <a:extLst>
+              <a:ext uri="{FF2B5EF4-FFF2-40B4-BE49-F238E27FC236}">
+                <a16:creationId xmlns:a16="http://schemas.microsoft.com/office/drawing/2014/main" id="{F692BA96-1D6B-0660-ABCC-5594E44EE2C0}"/>
+              </a:ext>
+            </a:extLst>
+          </p:cNvPr>
+          <p:cNvSpPr/>
+          <p:nvPr/>
+        </p:nvSpPr>
+        <p:spPr>
+          <a:xfrm>
+            <a:off x="4390823" y="4989923"/>
+            <a:ext cx="180975" cy="152400"/>
+          </a:xfrm>
+          <a:prstGeom prst="ellipse">
+            <a:avLst/>
+          </a:prstGeom>
+        </p:spPr>
+        <p:style>
+          <a:lnRef idx="2">
+            <a:schemeClr val="dk1">
+              <a:shade val="50000"/>
+            </a:schemeClr>
+          </a:lnRef>
+          <a:fillRef idx="1">
+            <a:schemeClr val="dk1"/>
+          </a:fillRef>
+          <a:effectRef idx="0">
+            <a:schemeClr val="dk1"/>
+          </a:effectRef>
+          <a:fontRef idx="minor">
+            <a:schemeClr val="lt1"/>
+          </a:fontRef>
+        </p:style>
+        <p:txBody>
+          <a:bodyPr rtlCol="0" anchor="ctr"/>
+          <a:lstStyle/>
+          <a:p>
+            <a:pPr algn="ctr"/>
+            <a:endParaRPr lang="en-US"/>
+          </a:p>
+        </p:txBody>
+      </p:sp>
+      <p:sp>
+        <p:nvSpPr>
+          <p:cNvPr id="15" name="Oval 14">
+            <a:extLst>
+              <a:ext uri="{FF2B5EF4-FFF2-40B4-BE49-F238E27FC236}">
+                <a16:creationId xmlns:a16="http://schemas.microsoft.com/office/drawing/2014/main" id="{619258EB-29FE-C71E-E6FE-EF8AF88C5993}"/>
+              </a:ext>
+            </a:extLst>
+          </p:cNvPr>
+          <p:cNvSpPr/>
+          <p:nvPr/>
+        </p:nvSpPr>
+        <p:spPr>
+          <a:xfrm>
+            <a:off x="7710488" y="4980399"/>
+            <a:ext cx="180975" cy="152400"/>
+          </a:xfrm>
+          <a:prstGeom prst="ellipse">
+            <a:avLst/>
+          </a:prstGeom>
+        </p:spPr>
+        <p:style>
+          <a:lnRef idx="2">
+            <a:schemeClr val="dk1">
+              <a:shade val="50000"/>
+            </a:schemeClr>
+          </a:lnRef>
+          <a:fillRef idx="1">
+            <a:schemeClr val="dk1"/>
+          </a:fillRef>
+          <a:effectRef idx="0">
+            <a:schemeClr val="dk1"/>
+          </a:effectRef>
+          <a:fontRef idx="minor">
+            <a:schemeClr val="lt1"/>
+          </a:fontRef>
+        </p:style>
+        <p:txBody>
+          <a:bodyPr rtlCol="0" anchor="ctr"/>
+          <a:lstStyle/>
+          <a:p>
+            <a:pPr algn="ctr"/>
+            <a:endParaRPr lang="en-US"/>
+          </a:p>
+        </p:txBody>
+      </p:sp>
       <p:pic>
         <p:nvPicPr>
           <p:cNvPr id="9" name="Picture 8">
@@ -4036,7 +4259,7 @@
         </p:blipFill>
         <p:spPr>
           <a:xfrm rot="2747759">
-            <a:off x="5086351" y="3844021"/>
+            <a:off x="5119532" y="3806931"/>
             <a:ext cx="1181100" cy="923925"/>
           </a:xfrm>
           <a:prstGeom prst="rect">
@@ -4044,229 +4267,6 @@
           </a:prstGeom>
         </p:spPr>
       </p:pic>
-      <p:cxnSp>
-        <p:nvCxnSpPr>
-          <p:cNvPr id="10" name="Straight Connector 9">
-            <a:extLst>
-              <a:ext uri="{FF2B5EF4-FFF2-40B4-BE49-F238E27FC236}">
-                <a16:creationId xmlns:a16="http://schemas.microsoft.com/office/drawing/2014/main" id="{9FBDC171-01C5-7483-1972-EEFB52832C3B}"/>
-              </a:ext>
-            </a:extLst>
-          </p:cNvPr>
-          <p:cNvCxnSpPr>
-            <a:cxnSpLocks/>
-          </p:cNvCxnSpPr>
-          <p:nvPr/>
-        </p:nvCxnSpPr>
-        <p:spPr>
-          <a:xfrm flipV="1">
-            <a:off x="4495800" y="1790700"/>
-            <a:ext cx="3295650" cy="3276600"/>
-          </a:xfrm>
-          <a:prstGeom prst="line">
-            <a:avLst/>
-          </a:prstGeom>
-          <a:ln w="28575"/>
-        </p:spPr>
-        <p:style>
-          <a:lnRef idx="1">
-            <a:schemeClr val="dk1"/>
-          </a:lnRef>
-          <a:fillRef idx="0">
-            <a:schemeClr val="dk1"/>
-          </a:fillRef>
-          <a:effectRef idx="0">
-            <a:schemeClr val="dk1"/>
-          </a:effectRef>
-          <a:fontRef idx="minor">
-            <a:schemeClr val="tx1"/>
-          </a:fontRef>
-        </p:style>
-      </p:cxnSp>
-      <p:sp>
-        <p:nvSpPr>
-          <p:cNvPr id="12" name="Oval 11">
-            <a:extLst>
-              <a:ext uri="{FF2B5EF4-FFF2-40B4-BE49-F238E27FC236}">
-                <a16:creationId xmlns:a16="http://schemas.microsoft.com/office/drawing/2014/main" id="{ADA757DF-467C-B3DF-3D1A-8BC1476D9A5D}"/>
-              </a:ext>
-            </a:extLst>
-          </p:cNvPr>
-          <p:cNvSpPr/>
-          <p:nvPr/>
-        </p:nvSpPr>
-        <p:spPr>
-          <a:xfrm>
-            <a:off x="4395787" y="1677577"/>
-            <a:ext cx="180975" cy="152400"/>
-          </a:xfrm>
-          <a:prstGeom prst="ellipse">
-            <a:avLst/>
-          </a:prstGeom>
-        </p:spPr>
-        <p:style>
-          <a:lnRef idx="2">
-            <a:schemeClr val="dk1">
-              <a:shade val="50000"/>
-            </a:schemeClr>
-          </a:lnRef>
-          <a:fillRef idx="1">
-            <a:schemeClr val="dk1"/>
-          </a:fillRef>
-          <a:effectRef idx="0">
-            <a:schemeClr val="dk1"/>
-          </a:effectRef>
-          <a:fontRef idx="minor">
-            <a:schemeClr val="lt1"/>
-          </a:fontRef>
-        </p:style>
-        <p:txBody>
-          <a:bodyPr rtlCol="0" anchor="ctr"/>
-          <a:lstStyle/>
-          <a:p>
-            <a:pPr algn="ctr"/>
-            <a:endParaRPr lang="en-US"/>
-          </a:p>
-        </p:txBody>
-      </p:sp>
-      <p:sp>
-        <p:nvSpPr>
-          <p:cNvPr id="13" name="Oval 12">
-            <a:extLst>
-              <a:ext uri="{FF2B5EF4-FFF2-40B4-BE49-F238E27FC236}">
-                <a16:creationId xmlns:a16="http://schemas.microsoft.com/office/drawing/2014/main" id="{34C006D5-926B-9A86-9662-61A89151519A}"/>
-              </a:ext>
-            </a:extLst>
-          </p:cNvPr>
-          <p:cNvSpPr/>
-          <p:nvPr/>
-        </p:nvSpPr>
-        <p:spPr>
-          <a:xfrm>
-            <a:off x="7700962" y="1706152"/>
-            <a:ext cx="180975" cy="152400"/>
-          </a:xfrm>
-          <a:prstGeom prst="ellipse">
-            <a:avLst/>
-          </a:prstGeom>
-        </p:spPr>
-        <p:style>
-          <a:lnRef idx="2">
-            <a:schemeClr val="dk1">
-              <a:shade val="50000"/>
-            </a:schemeClr>
-          </a:lnRef>
-          <a:fillRef idx="1">
-            <a:schemeClr val="dk1"/>
-          </a:fillRef>
-          <a:effectRef idx="0">
-            <a:schemeClr val="dk1"/>
-          </a:effectRef>
-          <a:fontRef idx="minor">
-            <a:schemeClr val="lt1"/>
-          </a:fontRef>
-        </p:style>
-        <p:txBody>
-          <a:bodyPr rtlCol="0" anchor="ctr"/>
-          <a:lstStyle/>
-          <a:p>
-            <a:pPr algn="ctr"/>
-            <a:endParaRPr lang="en-US"/>
-          </a:p>
-        </p:txBody>
-      </p:sp>
-      <p:sp>
-        <p:nvSpPr>
-          <p:cNvPr id="14" name="Oval 13">
-            <a:extLst>
-              <a:ext uri="{FF2B5EF4-FFF2-40B4-BE49-F238E27FC236}">
-                <a16:creationId xmlns:a16="http://schemas.microsoft.com/office/drawing/2014/main" id="{F692BA96-1D6B-0660-ABCC-5594E44EE2C0}"/>
-              </a:ext>
-            </a:extLst>
-          </p:cNvPr>
-          <p:cNvSpPr/>
-          <p:nvPr/>
-        </p:nvSpPr>
-        <p:spPr>
-          <a:xfrm>
-            <a:off x="4390823" y="4989923"/>
-            <a:ext cx="180975" cy="152400"/>
-          </a:xfrm>
-          <a:prstGeom prst="ellipse">
-            <a:avLst/>
-          </a:prstGeom>
-        </p:spPr>
-        <p:style>
-          <a:lnRef idx="2">
-            <a:schemeClr val="dk1">
-              <a:shade val="50000"/>
-            </a:schemeClr>
-          </a:lnRef>
-          <a:fillRef idx="1">
-            <a:schemeClr val="dk1"/>
-          </a:fillRef>
-          <a:effectRef idx="0">
-            <a:schemeClr val="dk1"/>
-          </a:effectRef>
-          <a:fontRef idx="minor">
-            <a:schemeClr val="lt1"/>
-          </a:fontRef>
-        </p:style>
-        <p:txBody>
-          <a:bodyPr rtlCol="0" anchor="ctr"/>
-          <a:lstStyle/>
-          <a:p>
-            <a:pPr algn="ctr"/>
-            <a:endParaRPr lang="en-US"/>
-          </a:p>
-        </p:txBody>
-      </p:sp>
-      <p:sp>
-        <p:nvSpPr>
-          <p:cNvPr id="15" name="Oval 14">
-            <a:extLst>
-              <a:ext uri="{FF2B5EF4-FFF2-40B4-BE49-F238E27FC236}">
-                <a16:creationId xmlns:a16="http://schemas.microsoft.com/office/drawing/2014/main" id="{619258EB-29FE-C71E-E6FE-EF8AF88C5993}"/>
-              </a:ext>
-            </a:extLst>
-          </p:cNvPr>
-          <p:cNvSpPr/>
-          <p:nvPr/>
-        </p:nvSpPr>
-        <p:spPr>
-          <a:xfrm>
-            <a:off x="7710488" y="4980399"/>
-            <a:ext cx="180975" cy="152400"/>
-          </a:xfrm>
-          <a:prstGeom prst="ellipse">
-            <a:avLst/>
-          </a:prstGeom>
-        </p:spPr>
-        <p:style>
-          <a:lnRef idx="2">
-            <a:schemeClr val="dk1">
-              <a:shade val="50000"/>
-            </a:schemeClr>
-          </a:lnRef>
-          <a:fillRef idx="1">
-            <a:schemeClr val="dk1"/>
-          </a:fillRef>
-          <a:effectRef idx="0">
-            <a:schemeClr val="dk1"/>
-          </a:effectRef>
-          <a:fontRef idx="minor">
-            <a:schemeClr val="lt1"/>
-          </a:fontRef>
-        </p:style>
-        <p:txBody>
-          <a:bodyPr rtlCol="0" anchor="ctr"/>
-          <a:lstStyle/>
-          <a:p>
-            <a:pPr algn="ctr"/>
-            <a:endParaRPr lang="en-US"/>
-          </a:p>
-        </p:txBody>
-      </p:sp>
     </p:spTree>
     <p:extLst>
       <p:ext uri="{BB962C8B-B14F-4D97-AF65-F5344CB8AC3E}">
